--- a/presentation/Poster_Template3040.pptx
+++ b/presentation/Poster_Template3040.pptx
@@ -270,7 +270,7 @@
             <a:fld id="{0158C5BC-9A70-462C-B28D-9600239EAC64}" type="datetimeFigureOut">
               <a:rPr lang="en-US" smtClean="0"/>
               <a:pPr/>
-              <a:t>11/8/2017</a:t>
+              <a:t>11/9/2017</a:t>
             </a:fld>
             <a:endParaRPr lang="en-US" dirty="0"/>
           </a:p>
@@ -437,7 +437,7 @@
             <a:fld id="{E6CC2317-6751-4CD4-9995-8782DD78E936}" type="datetimeFigureOut">
               <a:rPr lang="en-US" smtClean="0"/>
               <a:pPr/>
-              <a:t>11/8/2017</a:t>
+              <a:t>11/9/2017</a:t>
             </a:fld>
             <a:endParaRPr lang="en-US" dirty="0"/>
           </a:p>
